--- a/gr2_lhj/user_w_hj_edit_invest.pptx
+++ b/gr2_lhj/user_w_hj_edit_invest.pptx
@@ -5225,15 +5225,7 @@
                             <a:schemeClr val="dk1"/>
                           </a:solidFill>
                         </a:rPr>
-                        <a:t>프로젝트 </a:t>
-                      </a:r>
-                      <a:r>
-                        <a:rPr lang="ko-KR" altLang="en-US" sz="1500" b="0" u="none" strike="noStrike" cap="none" dirty="0" smtClean="0">
-                          <a:solidFill>
-                            <a:schemeClr val="dk1"/>
-                          </a:solidFill>
-                        </a:rPr>
-                        <a:t>수정</a:t>
+                        <a:t>프로젝트 수정</a:t>
                       </a:r>
                       <a:endParaRPr sz="1500" b="0" u="none" strike="noStrike" cap="none" dirty="0">
                         <a:solidFill>
@@ -6434,11 +6426,7 @@
           <a:p>
             <a:r>
               <a:rPr lang="ko-KR" altLang="en-US" sz="1000" smtClean="0"/>
-              <a:t>프로젝트 </a:t>
-            </a:r>
-            <a:r>
-              <a:rPr lang="ko-KR" altLang="en-US" sz="1000" smtClean="0"/>
-              <a:t>수</a:t>
+              <a:t>프로젝트 수</a:t>
             </a:r>
             <a:r>
               <a:rPr lang="ko-KR" altLang="en-US" sz="1000"/>
@@ -7408,7 +7396,7 @@
           <p:nvPr>
             <p:extLst>
               <p:ext uri="{D42A27DB-BD31-4B8C-83A1-F6EECF244321}">
-                <p14:modId xmlns:p14="http://schemas.microsoft.com/office/powerpoint/2010/main" val="3375818028"/>
+                <p14:modId xmlns:p14="http://schemas.microsoft.com/office/powerpoint/2010/main" val="2841123660"/>
               </p:ext>
             </p:extLst>
           </p:nvPr>
@@ -7543,7 +7531,7 @@
                             <a:schemeClr val="dk1"/>
                           </a:solidFill>
                         </a:rPr>
-                        <a:t>user_w_hj_edit_project</a:t>
+                        <a:t>user_m_hj_edit_project</a:t>
                       </a:r>
                       <a:endParaRPr sz="1100" b="0" u="none" strike="noStrike" cap="none" dirty="0">
                         <a:solidFill>
@@ -7703,15 +7691,7 @@
                             <a:schemeClr val="dk1"/>
                           </a:solidFill>
                         </a:rPr>
-                        <a:t>프로젝트 </a:t>
-                      </a:r>
-                      <a:r>
-                        <a:rPr lang="ko-KR" altLang="en-US" sz="1500" b="0" u="none" strike="noStrike" cap="none" dirty="0" smtClean="0">
-                          <a:solidFill>
-                            <a:schemeClr val="dk1"/>
-                          </a:solidFill>
-                        </a:rPr>
-                        <a:t>수정</a:t>
+                        <a:t>프로젝트 수정</a:t>
                       </a:r>
                       <a:endParaRPr sz="1500" b="0" u="none" strike="noStrike" cap="none" dirty="0">
                         <a:solidFill>
@@ -9800,7 +9780,7 @@
           <p:nvPr>
             <p:extLst>
               <p:ext uri="{D42A27DB-BD31-4B8C-83A1-F6EECF244321}">
-                <p14:modId xmlns:p14="http://schemas.microsoft.com/office/powerpoint/2010/main" val="852386419"/>
+                <p14:modId xmlns:p14="http://schemas.microsoft.com/office/powerpoint/2010/main" val="4164315434"/>
               </p:ext>
             </p:extLst>
           </p:nvPr>
@@ -9935,7 +9915,7 @@
                             <a:schemeClr val="dk1"/>
                           </a:solidFill>
                         </a:rPr>
-                        <a:t>user_w_hj_edit_project</a:t>
+                        <a:t>user_m_hj_edit_project</a:t>
                       </a:r>
                       <a:endParaRPr sz="1100" b="0" u="none" strike="noStrike" cap="none" dirty="0">
                         <a:solidFill>
@@ -10095,15 +10075,7 @@
                             <a:schemeClr val="dk1"/>
                           </a:solidFill>
                         </a:rPr>
-                        <a:t>프로젝트 </a:t>
-                      </a:r>
-                      <a:r>
-                        <a:rPr lang="ko-KR" altLang="en-US" sz="1500" b="0" u="none" strike="noStrike" cap="none" dirty="0" smtClean="0">
-                          <a:solidFill>
-                            <a:schemeClr val="dk1"/>
-                          </a:solidFill>
-                        </a:rPr>
-                        <a:t>수정</a:t>
+                        <a:t>프로젝트 수정</a:t>
                       </a:r>
                       <a:endParaRPr sz="1500" b="0" u="none" strike="noStrike" cap="none" dirty="0">
                         <a:solidFill>
@@ -11751,7 +11723,7 @@
           <p:nvPr>
             <p:extLst>
               <p:ext uri="{D42A27DB-BD31-4B8C-83A1-F6EECF244321}">
-                <p14:modId xmlns:p14="http://schemas.microsoft.com/office/powerpoint/2010/main" val="64144586"/>
+                <p14:modId xmlns:p14="http://schemas.microsoft.com/office/powerpoint/2010/main" val="1250322105"/>
               </p:ext>
             </p:extLst>
           </p:nvPr>
@@ -11886,7 +11858,7 @@
                             <a:schemeClr val="dk1"/>
                           </a:solidFill>
                         </a:rPr>
-                        <a:t>user_w_hj_edit_project</a:t>
+                        <a:t>user_m_hj_edit_project</a:t>
                       </a:r>
                       <a:endParaRPr sz="1100" b="0" u="none" strike="noStrike" cap="none" dirty="0">
                         <a:solidFill>
@@ -12046,15 +12018,7 @@
                             <a:schemeClr val="dk1"/>
                           </a:solidFill>
                         </a:rPr>
-                        <a:t>프로젝트 </a:t>
-                      </a:r>
-                      <a:r>
-                        <a:rPr lang="ko-KR" altLang="en-US" sz="1500" b="0" u="none" strike="noStrike" cap="none" dirty="0" smtClean="0">
-                          <a:solidFill>
-                            <a:schemeClr val="dk1"/>
-                          </a:solidFill>
-                        </a:rPr>
-                        <a:t>수정</a:t>
+                        <a:t>프로젝트 수정</a:t>
                       </a:r>
                       <a:endParaRPr sz="1500" b="0" u="none" strike="noStrike" cap="none" dirty="0">
                         <a:solidFill>
@@ -16243,15 +16207,7 @@
                             <a:schemeClr val="dk1"/>
                           </a:solidFill>
                         </a:rPr>
-                        <a:t>프로젝트 </a:t>
-                      </a:r>
-                      <a:r>
-                        <a:rPr lang="ko-KR" altLang="en-US" sz="1500" b="0" u="none" strike="noStrike" cap="none" dirty="0" smtClean="0">
-                          <a:solidFill>
-                            <a:schemeClr val="dk1"/>
-                          </a:solidFill>
-                        </a:rPr>
-                        <a:t>수정</a:t>
+                        <a:t>프로젝트 수정</a:t>
                       </a:r>
                       <a:endParaRPr sz="1500" b="0" u="none" strike="noStrike" cap="none" dirty="0">
                         <a:solidFill>
@@ -18602,15 +18558,7 @@
                             <a:schemeClr val="dk1"/>
                           </a:solidFill>
                         </a:rPr>
-                        <a:t>프로젝트 </a:t>
-                      </a:r>
-                      <a:r>
-                        <a:rPr lang="ko-KR" altLang="en-US" sz="1500" b="0" u="none" strike="noStrike" cap="none" dirty="0" smtClean="0">
-                          <a:solidFill>
-                            <a:schemeClr val="dk1"/>
-                          </a:solidFill>
-                        </a:rPr>
-                        <a:t>수정</a:t>
+                        <a:t>프로젝트 수정</a:t>
                       </a:r>
                       <a:endParaRPr sz="1500" b="0" u="none" strike="noStrike" cap="none" dirty="0">
                         <a:solidFill>
@@ -20849,15 +20797,7 @@
                             <a:schemeClr val="dk1"/>
                           </a:solidFill>
                         </a:rPr>
-                        <a:t>프로젝트 </a:t>
-                      </a:r>
-                      <a:r>
-                        <a:rPr lang="ko-KR" altLang="en-US" sz="1500" b="0" u="none" strike="noStrike" cap="none" dirty="0" smtClean="0">
-                          <a:solidFill>
-                            <a:schemeClr val="dk1"/>
-                          </a:solidFill>
-                        </a:rPr>
-                        <a:t>수정</a:t>
+                        <a:t>프로젝트 수정</a:t>
                       </a:r>
                       <a:endParaRPr sz="1500" b="0" u="none" strike="noStrike" cap="none" dirty="0">
                         <a:solidFill>
@@ -22207,17 +22147,12 @@
           <a:p>
             <a:r>
               <a:rPr lang="ko-KR" altLang="en-US" sz="1000" dirty="0" smtClean="0"/>
-              <a:t>프로젝트 </a:t>
-            </a:r>
-            <a:r>
-              <a:rPr lang="ko-KR" altLang="en-US" sz="1000" dirty="0" smtClean="0"/>
-              <a:t>수</a:t>
+              <a:t>프로젝트 수</a:t>
             </a:r>
             <a:r>
               <a:rPr lang="ko-KR" altLang="en-US" sz="1000" dirty="0"/>
               <a:t>정</a:t>
             </a:r>
-            <a:endParaRPr lang="ko-KR" altLang="en-US" sz="1000" dirty="0"/>
           </a:p>
         </p:txBody>
       </p:sp>
@@ -23097,15 +23032,7 @@
                             <a:schemeClr val="dk1"/>
                           </a:solidFill>
                         </a:rPr>
-                        <a:t>프로젝트 </a:t>
-                      </a:r>
-                      <a:r>
-                        <a:rPr lang="ko-KR" altLang="en-US" sz="1500" b="0" u="none" strike="noStrike" cap="none" dirty="0" smtClean="0">
-                          <a:solidFill>
-                            <a:schemeClr val="dk1"/>
-                          </a:solidFill>
-                        </a:rPr>
-                        <a:t>수정</a:t>
+                        <a:t>프로젝트 수정</a:t>
                       </a:r>
                       <a:endParaRPr sz="1500" b="0" u="none" strike="noStrike" cap="none" dirty="0">
                         <a:solidFill>
@@ -25464,15 +25391,7 @@
                             <a:schemeClr val="dk1"/>
                           </a:solidFill>
                         </a:rPr>
-                        <a:t>프로젝트 </a:t>
-                      </a:r>
-                      <a:r>
-                        <a:rPr lang="ko-KR" altLang="en-US" sz="1500" b="0" u="none" strike="noStrike" cap="none" dirty="0" smtClean="0">
-                          <a:solidFill>
-                            <a:schemeClr val="dk1"/>
-                          </a:solidFill>
-                        </a:rPr>
-                        <a:t>수정</a:t>
+                        <a:t>프로젝트 수정</a:t>
                       </a:r>
                       <a:endParaRPr sz="1500" b="0" u="none" strike="noStrike" cap="none" dirty="0">
                         <a:solidFill>
@@ -25663,7 +25582,7 @@
           <p:nvPr>
             <p:extLst>
               <p:ext uri="{D42A27DB-BD31-4B8C-83A1-F6EECF244321}">
-                <p14:modId xmlns:p14="http://schemas.microsoft.com/office/powerpoint/2010/main" val="3908632623"/>
+                <p14:modId xmlns:p14="http://schemas.microsoft.com/office/powerpoint/2010/main" val="2528866171"/>
               </p:ext>
             </p:extLst>
           </p:nvPr>
@@ -25798,7 +25717,7 @@
                             <a:schemeClr val="dk1"/>
                           </a:solidFill>
                         </a:rPr>
-                        <a:t>user_w_hj_edit_invest</a:t>
+                        <a:t>user_m_hj_edit_invest</a:t>
                       </a:r>
                       <a:endParaRPr sz="1100" b="0" u="none" strike="noStrike" cap="none" dirty="0">
                         <a:solidFill>
@@ -25958,15 +25877,7 @@
                             <a:schemeClr val="dk1"/>
                           </a:solidFill>
                         </a:rPr>
-                        <a:t>프로젝트 </a:t>
-                      </a:r>
-                      <a:r>
-                        <a:rPr lang="ko-KR" altLang="en-US" sz="1500" b="0" u="none" strike="noStrike" cap="none" dirty="0" smtClean="0">
-                          <a:solidFill>
-                            <a:schemeClr val="dk1"/>
-                          </a:solidFill>
-                        </a:rPr>
-                        <a:t>수정</a:t>
+                        <a:t>프로젝트 수정</a:t>
                       </a:r>
                       <a:endParaRPr sz="1500" b="0" u="none" strike="noStrike" cap="none" dirty="0">
                         <a:solidFill>
@@ -28064,7 +27975,7 @@
           <p:nvPr>
             <p:extLst>
               <p:ext uri="{D42A27DB-BD31-4B8C-83A1-F6EECF244321}">
-                <p14:modId xmlns:p14="http://schemas.microsoft.com/office/powerpoint/2010/main" val="587105032"/>
+                <p14:modId xmlns:p14="http://schemas.microsoft.com/office/powerpoint/2010/main" val="1866849419"/>
               </p:ext>
             </p:extLst>
           </p:nvPr>
@@ -28199,7 +28110,7 @@
                             <a:schemeClr val="dk1"/>
                           </a:solidFill>
                         </a:rPr>
-                        <a:t>user_w_hj_edit_invest</a:t>
+                        <a:t>user_m_hj_edit_invest</a:t>
                       </a:r>
                       <a:endParaRPr sz="1100" b="0" u="none" strike="noStrike" cap="none" dirty="0">
                         <a:solidFill>
@@ -28359,15 +28270,7 @@
                             <a:schemeClr val="dk1"/>
                           </a:solidFill>
                         </a:rPr>
-                        <a:t>프로젝트 </a:t>
-                      </a:r>
-                      <a:r>
-                        <a:rPr lang="ko-KR" altLang="en-US" sz="1500" b="0" u="none" strike="noStrike" cap="none" dirty="0" smtClean="0">
-                          <a:solidFill>
-                            <a:schemeClr val="dk1"/>
-                          </a:solidFill>
-                        </a:rPr>
-                        <a:t>수정</a:t>
+                        <a:t>프로젝트 수정</a:t>
                       </a:r>
                       <a:endParaRPr sz="1500" b="0" u="none" strike="noStrike" cap="none" dirty="0">
                         <a:solidFill>
@@ -30389,7 +30292,7 @@
           <p:nvPr>
             <p:extLst>
               <p:ext uri="{D42A27DB-BD31-4B8C-83A1-F6EECF244321}">
-                <p14:modId xmlns:p14="http://schemas.microsoft.com/office/powerpoint/2010/main" val="1402963218"/>
+                <p14:modId xmlns:p14="http://schemas.microsoft.com/office/powerpoint/2010/main" val="3667254286"/>
               </p:ext>
             </p:extLst>
           </p:nvPr>
@@ -30524,7 +30427,7 @@
                             <a:schemeClr val="dk1"/>
                           </a:solidFill>
                         </a:rPr>
-                        <a:t>user_w_hj_edit_invest</a:t>
+                        <a:t>user_m_hj_edit_invest</a:t>
                       </a:r>
                       <a:endParaRPr sz="1100" b="0" u="none" strike="noStrike" cap="none" dirty="0">
                         <a:solidFill>
@@ -30684,15 +30587,7 @@
                             <a:schemeClr val="dk1"/>
                           </a:solidFill>
                         </a:rPr>
-                        <a:t>프로젝트 </a:t>
-                      </a:r>
-                      <a:r>
-                        <a:rPr lang="ko-KR" altLang="en-US" sz="1500" b="0" u="none" strike="noStrike" cap="none" dirty="0" smtClean="0">
-                          <a:solidFill>
-                            <a:schemeClr val="dk1"/>
-                          </a:solidFill>
-                        </a:rPr>
-                        <a:t>수정</a:t>
+                        <a:t>프로젝트 수정</a:t>
                       </a:r>
                       <a:endParaRPr sz="1500" b="0" u="none" strike="noStrike" cap="none" dirty="0">
                         <a:solidFill>

--- a/gr2_lhj/user_w_hj_edit_invest.pptx
+++ b/gr2_lhj/user_w_hj_edit_invest.pptx
@@ -5225,7 +5225,15 @@
                             <a:schemeClr val="dk1"/>
                           </a:solidFill>
                         </a:rPr>
-                        <a:t>프로젝트 수정</a:t>
+                        <a:t>프로젝트 </a:t>
+                      </a:r>
+                      <a:r>
+                        <a:rPr lang="ko-KR" altLang="en-US" sz="1500" b="0" u="none" strike="noStrike" cap="none" dirty="0" smtClean="0">
+                          <a:solidFill>
+                            <a:schemeClr val="dk1"/>
+                          </a:solidFill>
+                        </a:rPr>
+                        <a:t>수정</a:t>
                       </a:r>
                       <a:endParaRPr sz="1500" b="0" u="none" strike="noStrike" cap="none" dirty="0">
                         <a:solidFill>
@@ -6426,7 +6434,11 @@
           <a:p>
             <a:r>
               <a:rPr lang="ko-KR" altLang="en-US" sz="1000" smtClean="0"/>
-              <a:t>프로젝트 수</a:t>
+              <a:t>프로젝트 </a:t>
+            </a:r>
+            <a:r>
+              <a:rPr lang="ko-KR" altLang="en-US" sz="1000" smtClean="0"/>
+              <a:t>수</a:t>
             </a:r>
             <a:r>
               <a:rPr lang="ko-KR" altLang="en-US" sz="1000"/>
@@ -7396,7 +7408,7 @@
           <p:nvPr>
             <p:extLst>
               <p:ext uri="{D42A27DB-BD31-4B8C-83A1-F6EECF244321}">
-                <p14:modId xmlns:p14="http://schemas.microsoft.com/office/powerpoint/2010/main" val="2841123660"/>
+                <p14:modId xmlns:p14="http://schemas.microsoft.com/office/powerpoint/2010/main" val="3375818028"/>
               </p:ext>
             </p:extLst>
           </p:nvPr>
@@ -7531,7 +7543,7 @@
                             <a:schemeClr val="dk1"/>
                           </a:solidFill>
                         </a:rPr>
-                        <a:t>user_m_hj_edit_project</a:t>
+                        <a:t>user_w_hj_edit_project</a:t>
                       </a:r>
                       <a:endParaRPr sz="1100" b="0" u="none" strike="noStrike" cap="none" dirty="0">
                         <a:solidFill>
@@ -7691,7 +7703,15 @@
                             <a:schemeClr val="dk1"/>
                           </a:solidFill>
                         </a:rPr>
-                        <a:t>프로젝트 수정</a:t>
+                        <a:t>프로젝트 </a:t>
+                      </a:r>
+                      <a:r>
+                        <a:rPr lang="ko-KR" altLang="en-US" sz="1500" b="0" u="none" strike="noStrike" cap="none" dirty="0" smtClean="0">
+                          <a:solidFill>
+                            <a:schemeClr val="dk1"/>
+                          </a:solidFill>
+                        </a:rPr>
+                        <a:t>수정</a:t>
                       </a:r>
                       <a:endParaRPr sz="1500" b="0" u="none" strike="noStrike" cap="none" dirty="0">
                         <a:solidFill>
@@ -9780,7 +9800,7 @@
           <p:nvPr>
             <p:extLst>
               <p:ext uri="{D42A27DB-BD31-4B8C-83A1-F6EECF244321}">
-                <p14:modId xmlns:p14="http://schemas.microsoft.com/office/powerpoint/2010/main" val="4164315434"/>
+                <p14:modId xmlns:p14="http://schemas.microsoft.com/office/powerpoint/2010/main" val="852386419"/>
               </p:ext>
             </p:extLst>
           </p:nvPr>
@@ -9915,7 +9935,7 @@
                             <a:schemeClr val="dk1"/>
                           </a:solidFill>
                         </a:rPr>
-                        <a:t>user_m_hj_edit_project</a:t>
+                        <a:t>user_w_hj_edit_project</a:t>
                       </a:r>
                       <a:endParaRPr sz="1100" b="0" u="none" strike="noStrike" cap="none" dirty="0">
                         <a:solidFill>
@@ -10075,7 +10095,15 @@
                             <a:schemeClr val="dk1"/>
                           </a:solidFill>
                         </a:rPr>
-                        <a:t>프로젝트 수정</a:t>
+                        <a:t>프로젝트 </a:t>
+                      </a:r>
+                      <a:r>
+                        <a:rPr lang="ko-KR" altLang="en-US" sz="1500" b="0" u="none" strike="noStrike" cap="none" dirty="0" smtClean="0">
+                          <a:solidFill>
+                            <a:schemeClr val="dk1"/>
+                          </a:solidFill>
+                        </a:rPr>
+                        <a:t>수정</a:t>
                       </a:r>
                       <a:endParaRPr sz="1500" b="0" u="none" strike="noStrike" cap="none" dirty="0">
                         <a:solidFill>
@@ -11723,7 +11751,7 @@
           <p:nvPr>
             <p:extLst>
               <p:ext uri="{D42A27DB-BD31-4B8C-83A1-F6EECF244321}">
-                <p14:modId xmlns:p14="http://schemas.microsoft.com/office/powerpoint/2010/main" val="1250322105"/>
+                <p14:modId xmlns:p14="http://schemas.microsoft.com/office/powerpoint/2010/main" val="64144586"/>
               </p:ext>
             </p:extLst>
           </p:nvPr>
@@ -11858,7 +11886,7 @@
                             <a:schemeClr val="dk1"/>
                           </a:solidFill>
                         </a:rPr>
-                        <a:t>user_m_hj_edit_project</a:t>
+                        <a:t>user_w_hj_edit_project</a:t>
                       </a:r>
                       <a:endParaRPr sz="1100" b="0" u="none" strike="noStrike" cap="none" dirty="0">
                         <a:solidFill>
@@ -12018,7 +12046,15 @@
                             <a:schemeClr val="dk1"/>
                           </a:solidFill>
                         </a:rPr>
-                        <a:t>프로젝트 수정</a:t>
+                        <a:t>프로젝트 </a:t>
+                      </a:r>
+                      <a:r>
+                        <a:rPr lang="ko-KR" altLang="en-US" sz="1500" b="0" u="none" strike="noStrike" cap="none" dirty="0" smtClean="0">
+                          <a:solidFill>
+                            <a:schemeClr val="dk1"/>
+                          </a:solidFill>
+                        </a:rPr>
+                        <a:t>수정</a:t>
                       </a:r>
                       <a:endParaRPr sz="1500" b="0" u="none" strike="noStrike" cap="none" dirty="0">
                         <a:solidFill>
@@ -16207,7 +16243,15 @@
                             <a:schemeClr val="dk1"/>
                           </a:solidFill>
                         </a:rPr>
-                        <a:t>프로젝트 수정</a:t>
+                        <a:t>프로젝트 </a:t>
+                      </a:r>
+                      <a:r>
+                        <a:rPr lang="ko-KR" altLang="en-US" sz="1500" b="0" u="none" strike="noStrike" cap="none" dirty="0" smtClean="0">
+                          <a:solidFill>
+                            <a:schemeClr val="dk1"/>
+                          </a:solidFill>
+                        </a:rPr>
+                        <a:t>수정</a:t>
                       </a:r>
                       <a:endParaRPr sz="1500" b="0" u="none" strike="noStrike" cap="none" dirty="0">
                         <a:solidFill>
@@ -18558,7 +18602,15 @@
                             <a:schemeClr val="dk1"/>
                           </a:solidFill>
                         </a:rPr>
-                        <a:t>프로젝트 수정</a:t>
+                        <a:t>프로젝트 </a:t>
+                      </a:r>
+                      <a:r>
+                        <a:rPr lang="ko-KR" altLang="en-US" sz="1500" b="0" u="none" strike="noStrike" cap="none" dirty="0" smtClean="0">
+                          <a:solidFill>
+                            <a:schemeClr val="dk1"/>
+                          </a:solidFill>
+                        </a:rPr>
+                        <a:t>수정</a:t>
                       </a:r>
                       <a:endParaRPr sz="1500" b="0" u="none" strike="noStrike" cap="none" dirty="0">
                         <a:solidFill>
@@ -20797,7 +20849,15 @@
                             <a:schemeClr val="dk1"/>
                           </a:solidFill>
                         </a:rPr>
-                        <a:t>프로젝트 수정</a:t>
+                        <a:t>프로젝트 </a:t>
+                      </a:r>
+                      <a:r>
+                        <a:rPr lang="ko-KR" altLang="en-US" sz="1500" b="0" u="none" strike="noStrike" cap="none" dirty="0" smtClean="0">
+                          <a:solidFill>
+                            <a:schemeClr val="dk1"/>
+                          </a:solidFill>
+                        </a:rPr>
+                        <a:t>수정</a:t>
                       </a:r>
                       <a:endParaRPr sz="1500" b="0" u="none" strike="noStrike" cap="none" dirty="0">
                         <a:solidFill>
@@ -22147,12 +22207,17 @@
           <a:p>
             <a:r>
               <a:rPr lang="ko-KR" altLang="en-US" sz="1000" dirty="0" smtClean="0"/>
-              <a:t>프로젝트 수</a:t>
+              <a:t>프로젝트 </a:t>
+            </a:r>
+            <a:r>
+              <a:rPr lang="ko-KR" altLang="en-US" sz="1000" dirty="0" smtClean="0"/>
+              <a:t>수</a:t>
             </a:r>
             <a:r>
               <a:rPr lang="ko-KR" altLang="en-US" sz="1000" dirty="0"/>
               <a:t>정</a:t>
             </a:r>
+            <a:endParaRPr lang="ko-KR" altLang="en-US" sz="1000" dirty="0"/>
           </a:p>
         </p:txBody>
       </p:sp>
@@ -23032,7 +23097,15 @@
                             <a:schemeClr val="dk1"/>
                           </a:solidFill>
                         </a:rPr>
-                        <a:t>프로젝트 수정</a:t>
+                        <a:t>프로젝트 </a:t>
+                      </a:r>
+                      <a:r>
+                        <a:rPr lang="ko-KR" altLang="en-US" sz="1500" b="0" u="none" strike="noStrike" cap="none" dirty="0" smtClean="0">
+                          <a:solidFill>
+                            <a:schemeClr val="dk1"/>
+                          </a:solidFill>
+                        </a:rPr>
+                        <a:t>수정</a:t>
                       </a:r>
                       <a:endParaRPr sz="1500" b="0" u="none" strike="noStrike" cap="none" dirty="0">
                         <a:solidFill>
@@ -25391,7 +25464,15 @@
                             <a:schemeClr val="dk1"/>
                           </a:solidFill>
                         </a:rPr>
-                        <a:t>프로젝트 수정</a:t>
+                        <a:t>프로젝트 </a:t>
+                      </a:r>
+                      <a:r>
+                        <a:rPr lang="ko-KR" altLang="en-US" sz="1500" b="0" u="none" strike="noStrike" cap="none" dirty="0" smtClean="0">
+                          <a:solidFill>
+                            <a:schemeClr val="dk1"/>
+                          </a:solidFill>
+                        </a:rPr>
+                        <a:t>수정</a:t>
                       </a:r>
                       <a:endParaRPr sz="1500" b="0" u="none" strike="noStrike" cap="none" dirty="0">
                         <a:solidFill>
@@ -25582,7 +25663,7 @@
           <p:nvPr>
             <p:extLst>
               <p:ext uri="{D42A27DB-BD31-4B8C-83A1-F6EECF244321}">
-                <p14:modId xmlns:p14="http://schemas.microsoft.com/office/powerpoint/2010/main" val="2528866171"/>
+                <p14:modId xmlns:p14="http://schemas.microsoft.com/office/powerpoint/2010/main" val="3908632623"/>
               </p:ext>
             </p:extLst>
           </p:nvPr>
@@ -25717,7 +25798,7 @@
                             <a:schemeClr val="dk1"/>
                           </a:solidFill>
                         </a:rPr>
-                        <a:t>user_m_hj_edit_invest</a:t>
+                        <a:t>user_w_hj_edit_invest</a:t>
                       </a:r>
                       <a:endParaRPr sz="1100" b="0" u="none" strike="noStrike" cap="none" dirty="0">
                         <a:solidFill>
@@ -25877,7 +25958,15 @@
                             <a:schemeClr val="dk1"/>
                           </a:solidFill>
                         </a:rPr>
-                        <a:t>프로젝트 수정</a:t>
+                        <a:t>프로젝트 </a:t>
+                      </a:r>
+                      <a:r>
+                        <a:rPr lang="ko-KR" altLang="en-US" sz="1500" b="0" u="none" strike="noStrike" cap="none" dirty="0" smtClean="0">
+                          <a:solidFill>
+                            <a:schemeClr val="dk1"/>
+                          </a:solidFill>
+                        </a:rPr>
+                        <a:t>수정</a:t>
                       </a:r>
                       <a:endParaRPr sz="1500" b="0" u="none" strike="noStrike" cap="none" dirty="0">
                         <a:solidFill>
@@ -27975,7 +28064,7 @@
           <p:nvPr>
             <p:extLst>
               <p:ext uri="{D42A27DB-BD31-4B8C-83A1-F6EECF244321}">
-                <p14:modId xmlns:p14="http://schemas.microsoft.com/office/powerpoint/2010/main" val="1866849419"/>
+                <p14:modId xmlns:p14="http://schemas.microsoft.com/office/powerpoint/2010/main" val="587105032"/>
               </p:ext>
             </p:extLst>
           </p:nvPr>
@@ -28110,7 +28199,7 @@
                             <a:schemeClr val="dk1"/>
                           </a:solidFill>
                         </a:rPr>
-                        <a:t>user_m_hj_edit_invest</a:t>
+                        <a:t>user_w_hj_edit_invest</a:t>
                       </a:r>
                       <a:endParaRPr sz="1100" b="0" u="none" strike="noStrike" cap="none" dirty="0">
                         <a:solidFill>
@@ -28270,7 +28359,15 @@
                             <a:schemeClr val="dk1"/>
                           </a:solidFill>
                         </a:rPr>
-                        <a:t>프로젝트 수정</a:t>
+                        <a:t>프로젝트 </a:t>
+                      </a:r>
+                      <a:r>
+                        <a:rPr lang="ko-KR" altLang="en-US" sz="1500" b="0" u="none" strike="noStrike" cap="none" dirty="0" smtClean="0">
+                          <a:solidFill>
+                            <a:schemeClr val="dk1"/>
+                          </a:solidFill>
+                        </a:rPr>
+                        <a:t>수정</a:t>
                       </a:r>
                       <a:endParaRPr sz="1500" b="0" u="none" strike="noStrike" cap="none" dirty="0">
                         <a:solidFill>
@@ -30292,7 +30389,7 @@
           <p:nvPr>
             <p:extLst>
               <p:ext uri="{D42A27DB-BD31-4B8C-83A1-F6EECF244321}">
-                <p14:modId xmlns:p14="http://schemas.microsoft.com/office/powerpoint/2010/main" val="3667254286"/>
+                <p14:modId xmlns:p14="http://schemas.microsoft.com/office/powerpoint/2010/main" val="1402963218"/>
               </p:ext>
             </p:extLst>
           </p:nvPr>
@@ -30427,7 +30524,7 @@
                             <a:schemeClr val="dk1"/>
                           </a:solidFill>
                         </a:rPr>
-                        <a:t>user_m_hj_edit_invest</a:t>
+                        <a:t>user_w_hj_edit_invest</a:t>
                       </a:r>
                       <a:endParaRPr sz="1100" b="0" u="none" strike="noStrike" cap="none" dirty="0">
                         <a:solidFill>
@@ -30587,7 +30684,15 @@
                             <a:schemeClr val="dk1"/>
                           </a:solidFill>
                         </a:rPr>
-                        <a:t>프로젝트 수정</a:t>
+                        <a:t>프로젝트 </a:t>
+                      </a:r>
+                      <a:r>
+                        <a:rPr lang="ko-KR" altLang="en-US" sz="1500" b="0" u="none" strike="noStrike" cap="none" dirty="0" smtClean="0">
+                          <a:solidFill>
+                            <a:schemeClr val="dk1"/>
+                          </a:solidFill>
+                        </a:rPr>
+                        <a:t>수정</a:t>
                       </a:r>
                       <a:endParaRPr sz="1500" b="0" u="none" strike="noStrike" cap="none" dirty="0">
                         <a:solidFill>
